--- a/Revature Expense Reimbursement System.pptx
+++ b/Revature Expense Reimbursement System.pptx
@@ -107,6 +107,11 @@
       </a:defRPr>
     </a:lvl9pPr>
   </p:defaultTextStyle>
+  <p:extLst>
+    <p:ext uri="{EFAFB233-063F-42B5-8137-9DF3F51BA10A}">
+      <p15:sldGuideLst xmlns:p15="http://schemas.microsoft.com/office/powerpoint/2012/main"/>
+    </p:ext>
+  </p:extLst>
 </p:presentation>
 </file>
 
@@ -800,7 +805,7 @@
             <a:fld id="{D200B3F0-A9BC-48CE-8EB6-ECE965069900}" type="datetimeFigureOut">
               <a:rPr lang="en-US" dirty="0"/>
               <a:pPr/>
-              <a:t>3/14/2019</a:t>
+              <a:t>3/15/2019</a:t>
             </a:fld>
             <a:endParaRPr lang="en-US" dirty="0"/>
           </a:p>
@@ -1961,7 +1966,7 @@
           <a:p>
             <a:fld id="{3DF9FFFF-3106-4DDB-AA62-0C80862170D6}" type="datetimeFigureOut">
               <a:rPr lang="en-US" dirty="0"/>
-              <a:t>3/14/2019</a:t>
+              <a:t>3/15/2019</a:t>
             </a:fld>
             <a:endParaRPr lang="en-US" dirty="0"/>
           </a:p>
@@ -3015,7 +3020,7 @@
           <a:p>
             <a:fld id="{A3DA38B7-AE95-4DC8-9A51-7A71F545B098}" type="datetimeFigureOut">
               <a:rPr lang="en-US" dirty="0"/>
-              <a:t>3/14/2019</a:t>
+              <a:t>3/15/2019</a:t>
             </a:fld>
             <a:endParaRPr lang="en-US" dirty="0"/>
           </a:p>
@@ -4228,7 +4233,7 @@
           <a:p>
             <a:fld id="{86F1EC2B-8188-4AC2-9F0D-8D09C51D505A}" type="datetimeFigureOut">
               <a:rPr lang="en-US" dirty="0"/>
-              <a:t>3/14/2019</a:t>
+              <a:t>3/15/2019</a:t>
             </a:fld>
             <a:endParaRPr lang="en-US" dirty="0"/>
           </a:p>
@@ -5332,7 +5337,7 @@
           <a:p>
             <a:fld id="{9212B75E-944F-430B-BE5F-C69FA8823C04}" type="datetimeFigureOut">
               <a:rPr lang="en-US" dirty="0"/>
-              <a:t>3/14/2019</a:t>
+              <a:t>3/15/2019</a:t>
             </a:fld>
             <a:endParaRPr lang="en-US" dirty="0"/>
           </a:p>
@@ -5984,7 +5989,7 @@
           <a:p>
             <a:fld id="{79AE0DC7-7F53-471C-A711-B3DA6F2535F3}" type="datetimeFigureOut">
               <a:rPr lang="en-US" dirty="0"/>
-              <a:t>3/14/2019</a:t>
+              <a:t>3/15/2019</a:t>
             </a:fld>
             <a:endParaRPr lang="en-US" dirty="0"/>
           </a:p>
@@ -6831,7 +6836,7 @@
           <a:p>
             <a:fld id="{3C1F4C9D-4618-451D-80C1-6A376BB42AB4}" type="datetimeFigureOut">
               <a:rPr lang="en-US" dirty="0"/>
-              <a:t>3/14/2019</a:t>
+              <a:t>3/15/2019</a:t>
             </a:fld>
             <a:endParaRPr lang="en-US" dirty="0"/>
           </a:p>
@@ -7016,7 +7021,7 @@
           <a:p>
             <a:fld id="{F54D2318-CE40-42F6-962A-4C6D6CF697DB}" type="datetimeFigureOut">
               <a:rPr lang="en-US" dirty="0"/>
-              <a:t>3/14/2019</a:t>
+              <a:t>3/15/2019</a:t>
             </a:fld>
             <a:endParaRPr lang="en-US" dirty="0"/>
           </a:p>
@@ -8057,7 +8062,7 @@
           <a:p>
             <a:fld id="{0C476AC1-EB7F-4BEF-90D9-5764B50DAF8A}" type="datetimeFigureOut">
               <a:rPr lang="en-US" dirty="0"/>
-              <a:t>3/14/2019</a:t>
+              <a:t>3/15/2019</a:t>
             </a:fld>
             <a:endParaRPr lang="en-US" dirty="0"/>
           </a:p>
@@ -8273,7 +8278,7 @@
           <a:p>
             <a:fld id="{1B20712A-F861-4AB0-A754-4F5A2033CD4B}" type="datetimeFigureOut">
               <a:rPr lang="en-US" dirty="0"/>
-              <a:t>3/14/2019</a:t>
+              <a:t>3/15/2019</a:t>
             </a:fld>
             <a:endParaRPr lang="en-US" dirty="0"/>
           </a:p>
@@ -9378,7 +9383,7 @@
           <a:p>
             <a:fld id="{324507B7-F2DC-4B2C-B14D-58A9766807A2}" type="datetimeFigureOut">
               <a:rPr lang="en-US" dirty="0"/>
-              <a:t>3/14/2019</a:t>
+              <a:t>3/15/2019</a:t>
             </a:fld>
             <a:endParaRPr lang="en-US" dirty="0"/>
           </a:p>
@@ -9650,7 +9655,7 @@
           <a:p>
             <a:fld id="{904A483D-5CB4-4842-8F2F-05D5276ACF63}" type="datetimeFigureOut">
               <a:rPr lang="en-US" dirty="0"/>
-              <a:t>3/14/2019</a:t>
+              <a:t>3/15/2019</a:t>
             </a:fld>
             <a:endParaRPr lang="en-US" dirty="0"/>
           </a:p>
@@ -10032,7 +10037,7 @@
           <a:p>
             <a:fld id="{1D1CE32E-9DC0-47C8-A657-48F5C3E4A10B}" type="datetimeFigureOut">
               <a:rPr lang="en-US" dirty="0"/>
-              <a:t>3/14/2019</a:t>
+              <a:t>3/15/2019</a:t>
             </a:fld>
             <a:endParaRPr lang="en-US" dirty="0"/>
           </a:p>
@@ -10150,7 +10155,7 @@
           <a:p>
             <a:fld id="{2BDF5C0D-8C3A-4771-A43D-83937FC700D4}" type="datetimeFigureOut">
               <a:rPr lang="en-US" dirty="0"/>
-              <a:t>3/14/2019</a:t>
+              <a:t>3/15/2019</a:t>
             </a:fld>
             <a:endParaRPr lang="en-US" dirty="0"/>
           </a:p>
@@ -10245,7 +10250,7 @@
           <a:p>
             <a:fld id="{0203D2D6-FCC2-425A-A4A7-8058E8C01CB1}" type="datetimeFigureOut">
               <a:rPr lang="en-US" dirty="0"/>
-              <a:t>3/14/2019</a:t>
+              <a:t>3/15/2019</a:t>
             </a:fld>
             <a:endParaRPr lang="en-US" dirty="0"/>
           </a:p>
@@ -11397,7 +11402,7 @@
           <a:p>
             <a:fld id="{D8CF2683-E6E7-4CC3-9EEE-7854DD4F3545}" type="datetimeFigureOut">
               <a:rPr lang="en-US" dirty="0"/>
-              <a:t>3/14/2019</a:t>
+              <a:t>3/15/2019</a:t>
             </a:fld>
             <a:endParaRPr lang="en-US" dirty="0"/>
           </a:p>
@@ -12573,7 +12578,7 @@
           <a:p>
             <a:fld id="{7E120F81-B39D-4CBB-8BF3-5D6E395D0F72}" type="datetimeFigureOut">
               <a:rPr lang="en-US" dirty="0"/>
-              <a:t>3/14/2019</a:t>
+              <a:t>3/15/2019</a:t>
             </a:fld>
             <a:endParaRPr lang="en-US" dirty="0"/>
           </a:p>
@@ -13683,7 +13688,7 @@
           <a:p>
             <a:fld id="{564B320A-89BA-47B2-A525-92E8D10B06E4}" type="datetimeFigureOut">
               <a:rPr lang="en-US" dirty="0"/>
-              <a:t>3/14/2019</a:t>
+              <a:t>3/15/2019</a:t>
             </a:fld>
             <a:endParaRPr lang="en-US" dirty="0"/>
           </a:p>
@@ -14232,12 +14237,8 @@
           <a:p>
             <a:pPr algn="ctr"/>
             <a:r>
-              <a:rPr lang="en-US" dirty="0" err="1"/>
-              <a:t>Revature</a:t>
-            </a:r>
-            <a:r>
               <a:rPr lang="en-US" dirty="0"/>
-              <a:t> Expense Reimbursement System </a:t>
+              <a:t>Revature Expense Reimbursement System </a:t>
             </a:r>
           </a:p>
         </p:txBody>
@@ -14265,26 +14266,15 @@
           </a:xfrm>
         </p:spPr>
         <p:txBody>
-          <a:bodyPr/>
+          <a:bodyPr>
+            <a:normAutofit/>
+          </a:bodyPr>
           <a:lstStyle/>
           <a:p>
             <a:r>
-              <a:rPr lang="en-US" dirty="0"/>
-              <a:t>By Abe Schroeder &amp;&amp; </a:t>
+              <a:rPr lang="en-US" sz="2800" dirty="0"/>
+              <a:t>By Abe Schroeder &amp;&amp; Slavik Gleanco</a:t>
             </a:r>
-            <a:r>
-              <a:rPr lang="en-US" dirty="0" err="1"/>
-              <a:t>Slavik</a:t>
-            </a:r>
-            <a:r>
-              <a:rPr lang="en-US" dirty="0"/>
-              <a:t> </a:t>
-            </a:r>
-            <a:r>
-              <a:rPr lang="en-US" dirty="0" err="1"/>
-              <a:t>Gleanco</a:t>
-            </a:r>
-            <a:endParaRPr lang="en-US" dirty="0"/>
           </a:p>
         </p:txBody>
       </p:sp>
@@ -14373,31 +14363,31 @@
           <a:lstStyle/>
           <a:p>
             <a:r>
-              <a:rPr lang="en-US" dirty="0"/>
+              <a:rPr lang="en-US" sz="2400" dirty="0"/>
               <a:t>JWT Authentication / Authorization</a:t>
             </a:r>
           </a:p>
           <a:p>
             <a:r>
-              <a:rPr lang="en-US" dirty="0"/>
+              <a:rPr lang="en-US" sz="2400" dirty="0"/>
               <a:t>Full-stack Application</a:t>
             </a:r>
           </a:p>
           <a:p>
             <a:r>
-              <a:rPr lang="en-US" dirty="0"/>
+              <a:rPr lang="en-US" sz="2400" dirty="0"/>
               <a:t>Login/Logout/Register</a:t>
             </a:r>
           </a:p>
           <a:p>
             <a:r>
-              <a:rPr lang="en-US" dirty="0"/>
+              <a:rPr lang="en-US" sz="2400" dirty="0"/>
               <a:t>Add/View Reimbursements (Employee)</a:t>
             </a:r>
           </a:p>
           <a:p>
             <a:r>
-              <a:rPr lang="en-US" dirty="0"/>
+              <a:rPr lang="en-US" sz="2400" dirty="0"/>
               <a:t>Add/View/Approve/Deny Reimbursements (Manager)</a:t>
             </a:r>
           </a:p>
@@ -14560,10 +14550,10 @@
       </p:sp>
       <p:pic>
         <p:nvPicPr>
-          <p:cNvPr id="5" name="Content Placeholder 4">
+          <p:cNvPr id="7" name="Content Placeholder 6">
             <a:extLst>
               <a:ext uri="{FF2B5EF4-FFF2-40B4-BE49-F238E27FC236}">
-                <a16:creationId xmlns:a16="http://schemas.microsoft.com/office/drawing/2014/main" id="{7782501F-2872-4D3B-B5DA-F0456DEC47CD}"/>
+                <a16:creationId xmlns:a16="http://schemas.microsoft.com/office/drawing/2014/main" id="{66CFF64C-E7C3-4DF4-82A1-FA02EA27C6C6}"/>
               </a:ext>
             </a:extLst>
           </p:cNvPr>
@@ -14582,8 +14572,8 @@
         </p:blipFill>
         <p:spPr>
           <a:xfrm>
-            <a:off x="882361" y="572969"/>
-            <a:ext cx="9474548" cy="5337111"/>
+            <a:off x="586783" y="581399"/>
+            <a:ext cx="9732818" cy="5631394"/>
           </a:xfrm>
         </p:spPr>
       </p:pic>
